--- a/intro-to-radius/Presentation.pptx
+++ b/intro-to-radius/Presentation.pptx
@@ -5,26 +5,27 @@
     <p:sldMasterId id="2147483648" r:id="rId1"/>
   </p:sldMasterIdLst>
   <p:notesMasterIdLst>
-    <p:notesMasterId r:id="rId19"/>
+    <p:notesMasterId r:id="rId20"/>
   </p:notesMasterIdLst>
   <p:sldIdLst>
     <p:sldId id="256" r:id="rId2"/>
-    <p:sldId id="257" r:id="rId3"/>
-    <p:sldId id="270" r:id="rId4"/>
-    <p:sldId id="269" r:id="rId5"/>
-    <p:sldId id="259" r:id="rId6"/>
-    <p:sldId id="260" r:id="rId7"/>
-    <p:sldId id="263" r:id="rId8"/>
-    <p:sldId id="264" r:id="rId9"/>
-    <p:sldId id="262" r:id="rId10"/>
-    <p:sldId id="266" r:id="rId11"/>
-    <p:sldId id="261" r:id="rId12"/>
-    <p:sldId id="271" r:id="rId13"/>
-    <p:sldId id="273" r:id="rId14"/>
-    <p:sldId id="274" r:id="rId15"/>
-    <p:sldId id="265" r:id="rId16"/>
-    <p:sldId id="267" r:id="rId17"/>
-    <p:sldId id="268" r:id="rId18"/>
+    <p:sldId id="275" r:id="rId3"/>
+    <p:sldId id="257" r:id="rId4"/>
+    <p:sldId id="270" r:id="rId5"/>
+    <p:sldId id="269" r:id="rId6"/>
+    <p:sldId id="259" r:id="rId7"/>
+    <p:sldId id="260" r:id="rId8"/>
+    <p:sldId id="263" r:id="rId9"/>
+    <p:sldId id="264" r:id="rId10"/>
+    <p:sldId id="262" r:id="rId11"/>
+    <p:sldId id="266" r:id="rId12"/>
+    <p:sldId id="261" r:id="rId13"/>
+    <p:sldId id="271" r:id="rId14"/>
+    <p:sldId id="273" r:id="rId15"/>
+    <p:sldId id="274" r:id="rId16"/>
+    <p:sldId id="265" r:id="rId17"/>
+    <p:sldId id="267" r:id="rId18"/>
+    <p:sldId id="268" r:id="rId19"/>
   </p:sldIdLst>
   <p:sldSz cx="12192000" cy="6858000"/>
   <p:notesSz cx="6858000" cy="9144000"/>
@@ -16270,7 +16271,7 @@
           <a:p>
             <a:fld id="{470C00CB-9C71-48BC-BBF3-49F2906CAC0B}" type="datetimeFigureOut">
               <a:rPr lang="en-AU" smtClean="0"/>
-              <a:t>5/02/2024</a:t>
+              <a:t>7/02/2024</a:t>
             </a:fld>
             <a:endParaRPr lang="en-AU"/>
           </a:p>
@@ -16717,7 +16718,7 @@
           <a:p>
             <a:fld id="{B33AF4F7-3392-47F6-AAC9-208E58F8C19D}" type="slidenum">
               <a:rPr lang="en-AU" smtClean="0"/>
-              <a:t>12</a:t>
+              <a:t>13</a:t>
             </a:fld>
             <a:endParaRPr lang="en-AU"/>
           </a:p>
@@ -16825,7 +16826,7 @@
           <a:p>
             <a:fld id="{B33AF4F7-3392-47F6-AAC9-208E58F8C19D}" type="slidenum">
               <a:rPr lang="en-AU" smtClean="0"/>
-              <a:t>13</a:t>
+              <a:t>14</a:t>
             </a:fld>
             <a:endParaRPr lang="en-AU"/>
           </a:p>
@@ -16936,7 +16937,7 @@
           <a:p>
             <a:fld id="{B33AF4F7-3392-47F6-AAC9-208E58F8C19D}" type="slidenum">
               <a:rPr lang="en-AU" smtClean="0"/>
-              <a:t>14</a:t>
+              <a:t>15</a:t>
             </a:fld>
             <a:endParaRPr lang="en-AU"/>
           </a:p>
@@ -17020,7 +17021,7 @@
           <a:p>
             <a:fld id="{B33AF4F7-3392-47F6-AAC9-208E58F8C19D}" type="slidenum">
               <a:rPr lang="en-AU" smtClean="0"/>
-              <a:t>17</a:t>
+              <a:t>18</a:t>
             </a:fld>
             <a:endParaRPr lang="en-AU"/>
           </a:p>
@@ -17104,7 +17105,7 @@
           <a:p>
             <a:fld id="{B33AF4F7-3392-47F6-AAC9-208E58F8C19D}" type="slidenum">
               <a:rPr lang="en-AU" smtClean="0"/>
-              <a:t>2</a:t>
+              <a:t>3</a:t>
             </a:fld>
             <a:endParaRPr lang="en-AU"/>
           </a:p>
@@ -17200,7 +17201,7 @@
           <a:p>
             <a:fld id="{B33AF4F7-3392-47F6-AAC9-208E58F8C19D}" type="slidenum">
               <a:rPr lang="en-AU" smtClean="0"/>
-              <a:t>3</a:t>
+              <a:t>4</a:t>
             </a:fld>
             <a:endParaRPr lang="en-AU"/>
           </a:p>
@@ -17299,7 +17300,7 @@
           <a:p>
             <a:fld id="{B33AF4F7-3392-47F6-AAC9-208E58F8C19D}" type="slidenum">
               <a:rPr lang="en-AU" smtClean="0"/>
-              <a:t>4</a:t>
+              <a:t>5</a:t>
             </a:fld>
             <a:endParaRPr lang="en-AU"/>
           </a:p>
@@ -17383,7 +17384,7 @@
           <a:p>
             <a:fld id="{B33AF4F7-3392-47F6-AAC9-208E58F8C19D}" type="slidenum">
               <a:rPr lang="en-AU" smtClean="0"/>
-              <a:t>5</a:t>
+              <a:t>6</a:t>
             </a:fld>
             <a:endParaRPr lang="en-AU"/>
           </a:p>
@@ -17482,7 +17483,7 @@
           <a:p>
             <a:fld id="{B33AF4F7-3392-47F6-AAC9-208E58F8C19D}" type="slidenum">
               <a:rPr lang="en-AU" smtClean="0"/>
-              <a:t>7</a:t>
+              <a:t>8</a:t>
             </a:fld>
             <a:endParaRPr lang="en-AU"/>
           </a:p>
@@ -17587,7 +17588,7 @@
           <a:p>
             <a:fld id="{B33AF4F7-3392-47F6-AAC9-208E58F8C19D}" type="slidenum">
               <a:rPr lang="en-AU" smtClean="0"/>
-              <a:t>8</a:t>
+              <a:t>9</a:t>
             </a:fld>
             <a:endParaRPr lang="en-AU"/>
           </a:p>
@@ -17695,7 +17696,7 @@
           <a:p>
             <a:fld id="{B33AF4F7-3392-47F6-AAC9-208E58F8C19D}" type="slidenum">
               <a:rPr lang="en-AU" smtClean="0"/>
-              <a:t>9</a:t>
+              <a:t>10</a:t>
             </a:fld>
             <a:endParaRPr lang="en-AU"/>
           </a:p>
@@ -17812,7 +17813,7 @@
           <a:p>
             <a:fld id="{B33AF4F7-3392-47F6-AAC9-208E58F8C19D}" type="slidenum">
               <a:rPr lang="en-AU" smtClean="0"/>
-              <a:t>10</a:t>
+              <a:t>11</a:t>
             </a:fld>
             <a:endParaRPr lang="en-AU"/>
           </a:p>
@@ -17980,7 +17981,7 @@
           <a:p>
             <a:fld id="{2C6EACBE-1F6F-471F-A07A-064939F4CB66}" type="datetimeFigureOut">
               <a:rPr lang="en-NZ" smtClean="0"/>
-              <a:t>5/02/2024</a:t>
+              <a:t>7/02/2024</a:t>
             </a:fld>
             <a:endParaRPr lang="en-NZ"/>
           </a:p>
@@ -18180,7 +18181,7 @@
           <a:p>
             <a:fld id="{2C6EACBE-1F6F-471F-A07A-064939F4CB66}" type="datetimeFigureOut">
               <a:rPr lang="en-NZ" smtClean="0"/>
-              <a:t>5/02/2024</a:t>
+              <a:t>7/02/2024</a:t>
             </a:fld>
             <a:endParaRPr lang="en-NZ"/>
           </a:p>
@@ -18390,7 +18391,7 @@
           <a:p>
             <a:fld id="{2C6EACBE-1F6F-471F-A07A-064939F4CB66}" type="datetimeFigureOut">
               <a:rPr lang="en-NZ" smtClean="0"/>
-              <a:t>5/02/2024</a:t>
+              <a:t>7/02/2024</a:t>
             </a:fld>
             <a:endParaRPr lang="en-NZ"/>
           </a:p>
@@ -18590,7 +18591,7 @@
           <a:p>
             <a:fld id="{2C6EACBE-1F6F-471F-A07A-064939F4CB66}" type="datetimeFigureOut">
               <a:rPr lang="en-NZ" smtClean="0"/>
-              <a:t>5/02/2024</a:t>
+              <a:t>7/02/2024</a:t>
             </a:fld>
             <a:endParaRPr lang="en-NZ"/>
           </a:p>
@@ -18866,7 +18867,7 @@
           <a:p>
             <a:fld id="{2C6EACBE-1F6F-471F-A07A-064939F4CB66}" type="datetimeFigureOut">
               <a:rPr lang="en-NZ" smtClean="0"/>
-              <a:t>5/02/2024</a:t>
+              <a:t>7/02/2024</a:t>
             </a:fld>
             <a:endParaRPr lang="en-NZ"/>
           </a:p>
@@ -19134,7 +19135,7 @@
           <a:p>
             <a:fld id="{2C6EACBE-1F6F-471F-A07A-064939F4CB66}" type="datetimeFigureOut">
               <a:rPr lang="en-NZ" smtClean="0"/>
-              <a:t>5/02/2024</a:t>
+              <a:t>7/02/2024</a:t>
             </a:fld>
             <a:endParaRPr lang="en-NZ"/>
           </a:p>
@@ -19549,7 +19550,7 @@
           <a:p>
             <a:fld id="{2C6EACBE-1F6F-471F-A07A-064939F4CB66}" type="datetimeFigureOut">
               <a:rPr lang="en-NZ" smtClean="0"/>
-              <a:t>5/02/2024</a:t>
+              <a:t>7/02/2024</a:t>
             </a:fld>
             <a:endParaRPr lang="en-NZ"/>
           </a:p>
@@ -19691,7 +19692,7 @@
           <a:p>
             <a:fld id="{2C6EACBE-1F6F-471F-A07A-064939F4CB66}" type="datetimeFigureOut">
               <a:rPr lang="en-NZ" smtClean="0"/>
-              <a:t>5/02/2024</a:t>
+              <a:t>7/02/2024</a:t>
             </a:fld>
             <a:endParaRPr lang="en-NZ"/>
           </a:p>
@@ -19804,7 +19805,7 @@
           <a:p>
             <a:fld id="{2C6EACBE-1F6F-471F-A07A-064939F4CB66}" type="datetimeFigureOut">
               <a:rPr lang="en-NZ" smtClean="0"/>
-              <a:t>5/02/2024</a:t>
+              <a:t>7/02/2024</a:t>
             </a:fld>
             <a:endParaRPr lang="en-NZ"/>
           </a:p>
@@ -20117,7 +20118,7 @@
           <a:p>
             <a:fld id="{2C6EACBE-1F6F-471F-A07A-064939F4CB66}" type="datetimeFigureOut">
               <a:rPr lang="en-NZ" smtClean="0"/>
-              <a:t>5/02/2024</a:t>
+              <a:t>7/02/2024</a:t>
             </a:fld>
             <a:endParaRPr lang="en-NZ"/>
           </a:p>
@@ -20406,7 +20407,7 @@
           <a:p>
             <a:fld id="{2C6EACBE-1F6F-471F-A07A-064939F4CB66}" type="datetimeFigureOut">
               <a:rPr lang="en-NZ" smtClean="0"/>
-              <a:t>5/02/2024</a:t>
+              <a:t>7/02/2024</a:t>
             </a:fld>
             <a:endParaRPr lang="en-NZ"/>
           </a:p>
@@ -20649,7 +20650,7 @@
           <a:p>
             <a:fld id="{2C6EACBE-1F6F-471F-A07A-064939F4CB66}" type="datetimeFigureOut">
               <a:rPr lang="en-NZ" smtClean="0"/>
-              <a:t>5/02/2024</a:t>
+              <a:t>7/02/2024</a:t>
             </a:fld>
             <a:endParaRPr lang="en-NZ"/>
           </a:p>
@@ -23231,6 +23232,563 @@
       </p:grpSpPr>
       <p:sp useBgFill="1">
         <p:nvSpPr>
+          <p:cNvPr id="6151" name="Rectangle 6150">
+            <a:extLst>
+              <a:ext uri="{FF2B5EF4-FFF2-40B4-BE49-F238E27FC236}">
+                <a16:creationId xmlns:a16="http://schemas.microsoft.com/office/drawing/2014/main" id="{7B831B6F-405A-4B47-B9BB-5CA88F285844}"/>
+              </a:ext>
+              <a:ext uri="{C183D7F6-B498-43B3-948B-1728B52AA6E4}">
+                <adec:decorative xmlns:adec="http://schemas.microsoft.com/office/drawing/2017/decorative" val="1"/>
+              </a:ext>
+            </a:extLst>
+          </p:cNvPr>
+          <p:cNvSpPr>
+            <a:spLocks noGrp="1" noRot="1" noChangeAspect="1" noMove="1" noResize="1" noEditPoints="1" noAdjustHandles="1" noChangeArrowheads="1" noChangeShapeType="1" noTextEdit="1"/>
+          </p:cNvSpPr>
+          <p:nvPr>
+            <p:extLst>
+              <p:ext uri="{386F3935-93C4-4BCD-93E2-E3B085C9AB24}">
+                <p16:designElem xmlns:p16="http://schemas.microsoft.com/office/powerpoint/2015/main" val="1"/>
+              </p:ext>
+            </p:extLst>
+          </p:nvPr>
+        </p:nvSpPr>
+        <p:spPr>
+          <a:xfrm>
+            <a:off x="0" y="0"/>
+            <a:ext cx="12192000" cy="6858000"/>
+          </a:xfrm>
+          <a:prstGeom prst="rect">
+            <a:avLst/>
+          </a:prstGeom>
+          <a:ln>
+            <a:noFill/>
+          </a:ln>
+        </p:spPr>
+        <p:style>
+          <a:lnRef idx="2">
+            <a:schemeClr val="accent1">
+              <a:shade val="50000"/>
+            </a:schemeClr>
+          </a:lnRef>
+          <a:fillRef idx="1">
+            <a:schemeClr val="accent1"/>
+          </a:fillRef>
+          <a:effectRef idx="0">
+            <a:schemeClr val="accent1"/>
+          </a:effectRef>
+          <a:fontRef idx="minor">
+            <a:schemeClr val="lt1"/>
+          </a:fontRef>
+        </p:style>
+        <p:txBody>
+          <a:bodyPr rtlCol="0" anchor="ctr"/>
+          <a:lstStyle/>
+          <a:p>
+            <a:pPr algn="ctr"/>
+            <a:endParaRPr lang="en-US"/>
+          </a:p>
+        </p:txBody>
+      </p:sp>
+      <p:sp>
+        <p:nvSpPr>
+          <p:cNvPr id="2" name="Title 1">
+            <a:extLst>
+              <a:ext uri="{FF2B5EF4-FFF2-40B4-BE49-F238E27FC236}">
+                <a16:creationId xmlns:a16="http://schemas.microsoft.com/office/drawing/2014/main" id="{A2D99A9E-34C6-A915-86FA-0F1D61C7535E}"/>
+              </a:ext>
+            </a:extLst>
+          </p:cNvPr>
+          <p:cNvSpPr>
+            <a:spLocks noGrp="1"/>
+          </p:cNvSpPr>
+          <p:nvPr>
+            <p:ph type="title"/>
+          </p:nvPr>
+        </p:nvSpPr>
+        <p:spPr>
+          <a:xfrm>
+            <a:off x="6739128" y="638089"/>
+            <a:ext cx="4818888" cy="1476801"/>
+          </a:xfrm>
+        </p:spPr>
+        <p:txBody>
+          <a:bodyPr vert="horz" lIns="91440" tIns="45720" rIns="91440" bIns="45720" rtlCol="0" anchor="b">
+            <a:normAutofit/>
+          </a:bodyPr>
+          <a:lstStyle/>
+          <a:p>
+            <a:r>
+              <a:rPr lang="en-US" sz="5400" kern="1200">
+                <a:solidFill>
+                  <a:schemeClr val="tx1"/>
+                </a:solidFill>
+                <a:latin typeface="+mj-lt"/>
+                <a:ea typeface="+mj-ea"/>
+                <a:cs typeface="+mj-cs"/>
+              </a:rPr>
+              <a:t>Radius Recipes</a:t>
+            </a:r>
+          </a:p>
+        </p:txBody>
+      </p:sp>
+      <p:pic>
+        <p:nvPicPr>
+          <p:cNvPr id="6146" name="Picture 2">
+            <a:extLst>
+              <a:ext uri="{FF2B5EF4-FFF2-40B4-BE49-F238E27FC236}">
+                <a16:creationId xmlns:a16="http://schemas.microsoft.com/office/drawing/2014/main" id="{4B8ED1A2-19C6-9628-77B4-BECCA5B72110}"/>
+              </a:ext>
+            </a:extLst>
+          </p:cNvPr>
+          <p:cNvPicPr>
+            <a:picLocks noGrp="1" noChangeAspect="1" noChangeArrowheads="1"/>
+          </p:cNvPicPr>
+          <p:nvPr>
+            <p:ph sz="half" idx="1"/>
+          </p:nvPr>
+        </p:nvPicPr>
+        <p:blipFill>
+          <a:blip r:embed="rId3">
+            <a:extLst>
+              <a:ext uri="{28A0092B-C50C-407E-A947-70E740481C1C}">
+                <a14:useLocalDpi xmlns:a14="http://schemas.microsoft.com/office/drawing/2010/main" val="0"/>
+              </a:ext>
+            </a:extLst>
+          </a:blip>
+          <a:stretch>
+            <a:fillRect/>
+          </a:stretch>
+        </p:blipFill>
+        <p:spPr bwMode="auto">
+          <a:xfrm>
+            <a:off x="630936" y="2282617"/>
+            <a:ext cx="5458968" cy="2292766"/>
+          </a:xfrm>
+          <a:prstGeom prst="rect">
+            <a:avLst/>
+          </a:prstGeom>
+          <a:noFill/>
+          <a:extLst>
+            <a:ext uri="{909E8E84-426E-40DD-AFC4-6F175D3DCCD1}">
+              <a14:hiddenFill xmlns:a14="http://schemas.microsoft.com/office/drawing/2010/main">
+                <a:solidFill>
+                  <a:srgbClr val="FFFFFF"/>
+                </a:solidFill>
+              </a14:hiddenFill>
+            </a:ext>
+          </a:extLst>
+        </p:spPr>
+      </p:pic>
+      <p:sp>
+        <p:nvSpPr>
+          <p:cNvPr id="6153" name="sketch line">
+            <a:extLst>
+              <a:ext uri="{FF2B5EF4-FFF2-40B4-BE49-F238E27FC236}">
+                <a16:creationId xmlns:a16="http://schemas.microsoft.com/office/drawing/2014/main" id="{953EE71A-6488-4203-A7C4-77102FD0DCCA}"/>
+              </a:ext>
+              <a:ext uri="{C183D7F6-B498-43B3-948B-1728B52AA6E4}">
+                <adec:decorative xmlns:adec="http://schemas.microsoft.com/office/drawing/2017/decorative" val="1"/>
+              </a:ext>
+            </a:extLst>
+          </p:cNvPr>
+          <p:cNvSpPr>
+            <a:spLocks noGrp="1" noRot="1" noChangeAspect="1" noMove="1" noResize="1" noEditPoints="1" noAdjustHandles="1" noChangeArrowheads="1" noChangeShapeType="1" noTextEdit="1"/>
+          </p:cNvSpPr>
+          <p:nvPr>
+            <p:extLst>
+              <p:ext uri="{386F3935-93C4-4BCD-93E2-E3B085C9AB24}">
+                <p16:designElem xmlns:p16="http://schemas.microsoft.com/office/powerpoint/2015/main" val="1"/>
+              </p:ext>
+            </p:extLst>
+          </p:nvPr>
+        </p:nvSpPr>
+        <p:spPr>
+          <a:xfrm>
+            <a:off x="6739128" y="2372868"/>
+            <a:ext cx="3255095" cy="18288"/>
+          </a:xfrm>
+          <a:custGeom>
+            <a:avLst/>
+            <a:gdLst>
+              <a:gd name="connsiteX0" fmla="*/ 0 w 3255095"/>
+              <a:gd name="connsiteY0" fmla="*/ 0 h 18288"/>
+              <a:gd name="connsiteX1" fmla="*/ 618468 w 3255095"/>
+              <a:gd name="connsiteY1" fmla="*/ 0 h 18288"/>
+              <a:gd name="connsiteX2" fmla="*/ 1269487 w 3255095"/>
+              <a:gd name="connsiteY2" fmla="*/ 0 h 18288"/>
+              <a:gd name="connsiteX3" fmla="*/ 1953057 w 3255095"/>
+              <a:gd name="connsiteY3" fmla="*/ 0 h 18288"/>
+              <a:gd name="connsiteX4" fmla="*/ 2636627 w 3255095"/>
+              <a:gd name="connsiteY4" fmla="*/ 0 h 18288"/>
+              <a:gd name="connsiteX5" fmla="*/ 3255095 w 3255095"/>
+              <a:gd name="connsiteY5" fmla="*/ 0 h 18288"/>
+              <a:gd name="connsiteX6" fmla="*/ 3255095 w 3255095"/>
+              <a:gd name="connsiteY6" fmla="*/ 18288 h 18288"/>
+              <a:gd name="connsiteX7" fmla="*/ 2538974 w 3255095"/>
+              <a:gd name="connsiteY7" fmla="*/ 18288 h 18288"/>
+              <a:gd name="connsiteX8" fmla="*/ 1822853 w 3255095"/>
+              <a:gd name="connsiteY8" fmla="*/ 18288 h 18288"/>
+              <a:gd name="connsiteX9" fmla="*/ 1171834 w 3255095"/>
+              <a:gd name="connsiteY9" fmla="*/ 18288 h 18288"/>
+              <a:gd name="connsiteX10" fmla="*/ 0 w 3255095"/>
+              <a:gd name="connsiteY10" fmla="*/ 18288 h 18288"/>
+              <a:gd name="connsiteX11" fmla="*/ 0 w 3255095"/>
+              <a:gd name="connsiteY11" fmla="*/ 0 h 18288"/>
+            </a:gdLst>
+            <a:ahLst/>
+            <a:cxnLst>
+              <a:cxn ang="0">
+                <a:pos x="connsiteX0" y="connsiteY0"/>
+              </a:cxn>
+              <a:cxn ang="0">
+                <a:pos x="connsiteX1" y="connsiteY1"/>
+              </a:cxn>
+              <a:cxn ang="0">
+                <a:pos x="connsiteX2" y="connsiteY2"/>
+              </a:cxn>
+              <a:cxn ang="0">
+                <a:pos x="connsiteX3" y="connsiteY3"/>
+              </a:cxn>
+              <a:cxn ang="0">
+                <a:pos x="connsiteX4" y="connsiteY4"/>
+              </a:cxn>
+              <a:cxn ang="0">
+                <a:pos x="connsiteX5" y="connsiteY5"/>
+              </a:cxn>
+              <a:cxn ang="0">
+                <a:pos x="connsiteX6" y="connsiteY6"/>
+              </a:cxn>
+              <a:cxn ang="0">
+                <a:pos x="connsiteX7" y="connsiteY7"/>
+              </a:cxn>
+              <a:cxn ang="0">
+                <a:pos x="connsiteX8" y="connsiteY8"/>
+              </a:cxn>
+              <a:cxn ang="0">
+                <a:pos x="connsiteX9" y="connsiteY9"/>
+              </a:cxn>
+              <a:cxn ang="0">
+                <a:pos x="connsiteX10" y="connsiteY10"/>
+              </a:cxn>
+              <a:cxn ang="0">
+                <a:pos x="connsiteX11" y="connsiteY11"/>
+              </a:cxn>
+            </a:cxnLst>
+            <a:rect l="l" t="t" r="r" b="b"/>
+            <a:pathLst>
+              <a:path w="3255095" h="18288" fill="none" extrusionOk="0">
+                <a:moveTo>
+                  <a:pt x="0" y="0"/>
+                </a:moveTo>
+                <a:cubicBezTo>
+                  <a:pt x="240201" y="-22123"/>
+                  <a:pt x="462021" y="-19623"/>
+                  <a:pt x="618468" y="0"/>
+                </a:cubicBezTo>
+                <a:cubicBezTo>
+                  <a:pt x="774915" y="19623"/>
+                  <a:pt x="974734" y="2035"/>
+                  <a:pt x="1269487" y="0"/>
+                </a:cubicBezTo>
+                <a:cubicBezTo>
+                  <a:pt x="1564240" y="-2035"/>
+                  <a:pt x="1733579" y="10639"/>
+                  <a:pt x="1953057" y="0"/>
+                </a:cubicBezTo>
+                <a:cubicBezTo>
+                  <a:pt x="2172535" y="-10639"/>
+                  <a:pt x="2453962" y="14018"/>
+                  <a:pt x="2636627" y="0"/>
+                </a:cubicBezTo>
+                <a:cubicBezTo>
+                  <a:pt x="2819292" y="-14018"/>
+                  <a:pt x="3121375" y="5399"/>
+                  <a:pt x="3255095" y="0"/>
+                </a:cubicBezTo>
+                <a:cubicBezTo>
+                  <a:pt x="3254386" y="8157"/>
+                  <a:pt x="3254682" y="12125"/>
+                  <a:pt x="3255095" y="18288"/>
+                </a:cubicBezTo>
+                <a:cubicBezTo>
+                  <a:pt x="3088545" y="23203"/>
+                  <a:pt x="2687475" y="7419"/>
+                  <a:pt x="2538974" y="18288"/>
+                </a:cubicBezTo>
+                <a:cubicBezTo>
+                  <a:pt x="2390473" y="29157"/>
+                  <a:pt x="2137381" y="-8959"/>
+                  <a:pt x="1822853" y="18288"/>
+                </a:cubicBezTo>
+                <a:cubicBezTo>
+                  <a:pt x="1508325" y="45535"/>
+                  <a:pt x="1466437" y="20385"/>
+                  <a:pt x="1171834" y="18288"/>
+                </a:cubicBezTo>
+                <a:cubicBezTo>
+                  <a:pt x="877231" y="16191"/>
+                  <a:pt x="561097" y="37643"/>
+                  <a:pt x="0" y="18288"/>
+                </a:cubicBezTo>
+                <a:cubicBezTo>
+                  <a:pt x="-46" y="12483"/>
+                  <a:pt x="-203" y="6491"/>
+                  <a:pt x="0" y="0"/>
+                </a:cubicBezTo>
+                <a:close/>
+              </a:path>
+              <a:path w="3255095" h="18288" stroke="0" extrusionOk="0">
+                <a:moveTo>
+                  <a:pt x="0" y="0"/>
+                </a:moveTo>
+                <a:cubicBezTo>
+                  <a:pt x="291965" y="19429"/>
+                  <a:pt x="363155" y="8568"/>
+                  <a:pt x="618468" y="0"/>
+                </a:cubicBezTo>
+                <a:cubicBezTo>
+                  <a:pt x="873781" y="-8568"/>
+                  <a:pt x="904459" y="-19505"/>
+                  <a:pt x="1171834" y="0"/>
+                </a:cubicBezTo>
+                <a:cubicBezTo>
+                  <a:pt x="1439209" y="19505"/>
+                  <a:pt x="1744369" y="9790"/>
+                  <a:pt x="1887955" y="0"/>
+                </a:cubicBezTo>
+                <a:cubicBezTo>
+                  <a:pt x="2031541" y="-9790"/>
+                  <a:pt x="2346378" y="21240"/>
+                  <a:pt x="2506423" y="0"/>
+                </a:cubicBezTo>
+                <a:cubicBezTo>
+                  <a:pt x="2666468" y="-21240"/>
+                  <a:pt x="2990257" y="30414"/>
+                  <a:pt x="3255095" y="0"/>
+                </a:cubicBezTo>
+                <a:cubicBezTo>
+                  <a:pt x="3254831" y="4493"/>
+                  <a:pt x="3255479" y="9472"/>
+                  <a:pt x="3255095" y="18288"/>
+                </a:cubicBezTo>
+                <a:cubicBezTo>
+                  <a:pt x="3120743" y="16690"/>
+                  <a:pt x="2759628" y="42462"/>
+                  <a:pt x="2604076" y="18288"/>
+                </a:cubicBezTo>
+                <a:cubicBezTo>
+                  <a:pt x="2448524" y="-5886"/>
+                  <a:pt x="2184336" y="19599"/>
+                  <a:pt x="1887955" y="18288"/>
+                </a:cubicBezTo>
+                <a:cubicBezTo>
+                  <a:pt x="1591574" y="16977"/>
+                  <a:pt x="1548845" y="6870"/>
+                  <a:pt x="1334589" y="18288"/>
+                </a:cubicBezTo>
+                <a:cubicBezTo>
+                  <a:pt x="1120333" y="29706"/>
+                  <a:pt x="996014" y="9662"/>
+                  <a:pt x="683570" y="18288"/>
+                </a:cubicBezTo>
+                <a:cubicBezTo>
+                  <a:pt x="371126" y="26914"/>
+                  <a:pt x="198687" y="16167"/>
+                  <a:pt x="0" y="18288"/>
+                </a:cubicBezTo>
+                <a:cubicBezTo>
+                  <a:pt x="843" y="9577"/>
+                  <a:pt x="371" y="6900"/>
+                  <a:pt x="0" y="0"/>
+                </a:cubicBezTo>
+                <a:close/>
+              </a:path>
+            </a:pathLst>
+          </a:custGeom>
+          <a:solidFill>
+            <a:schemeClr val="accent2"/>
+          </a:solidFill>
+          <a:ln w="38100" cap="rnd">
+            <a:solidFill>
+              <a:schemeClr val="accent2"/>
+            </a:solidFill>
+            <a:round/>
+            <a:extLst>
+              <a:ext uri="{C807C97D-BFC1-408E-A445-0C87EB9F89A2}">
+                <ask:lineSketchStyleProps xmlns:ask="http://schemas.microsoft.com/office/drawing/2018/sketchyshapes" sd="1219033472">
+                  <a:prstGeom prst="rect">
+                    <a:avLst/>
+                  </a:prstGeom>
+                  <ask:type>
+                    <ask:lineSketchFreehand/>
+                  </ask:type>
+                </ask:lineSketchStyleProps>
+              </a:ext>
+            </a:extLst>
+          </a:ln>
+        </p:spPr>
+        <p:style>
+          <a:lnRef idx="2">
+            <a:schemeClr val="accent1">
+              <a:shade val="50000"/>
+            </a:schemeClr>
+          </a:lnRef>
+          <a:fillRef idx="1">
+            <a:schemeClr val="accent1"/>
+          </a:fillRef>
+          <a:effectRef idx="0">
+            <a:schemeClr val="accent1"/>
+          </a:effectRef>
+          <a:fontRef idx="minor">
+            <a:schemeClr val="lt1"/>
+          </a:fontRef>
+        </p:style>
+        <p:txBody>
+          <a:bodyPr rtlCol="0" anchor="ctr"/>
+          <a:lstStyle/>
+          <a:p>
+            <a:pPr algn="ctr"/>
+            <a:endParaRPr lang="en-US"/>
+          </a:p>
+        </p:txBody>
+      </p:sp>
+      <p:sp>
+        <p:nvSpPr>
+          <p:cNvPr id="5" name="Content Placeholder 4">
+            <a:extLst>
+              <a:ext uri="{FF2B5EF4-FFF2-40B4-BE49-F238E27FC236}">
+                <a16:creationId xmlns:a16="http://schemas.microsoft.com/office/drawing/2014/main" id="{B3730A95-AC2F-1C15-6588-2AC0DBE76FA9}"/>
+              </a:ext>
+            </a:extLst>
+          </p:cNvPr>
+          <p:cNvSpPr>
+            <a:spLocks noGrp="1"/>
+          </p:cNvSpPr>
+          <p:nvPr>
+            <p:ph sz="half" idx="2"/>
+          </p:nvPr>
+        </p:nvSpPr>
+        <p:spPr>
+          <a:xfrm>
+            <a:off x="6739128" y="2664886"/>
+            <a:ext cx="4818888" cy="3550789"/>
+          </a:xfrm>
+        </p:spPr>
+        <p:txBody>
+          <a:bodyPr vert="horz" lIns="91440" tIns="45720" rIns="91440" bIns="45720" rtlCol="0" anchor="t">
+            <a:normAutofit/>
+          </a:bodyPr>
+          <a:lstStyle/>
+          <a:p>
+            <a:r>
+              <a:rPr lang="en-US" sz="2200"/>
+              <a:t>Recipes enable a seperation of concerns between Ops and developers by automating infra deployment.</a:t>
+            </a:r>
+          </a:p>
+          <a:p>
+            <a:r>
+              <a:rPr lang="en-US" sz="2200"/>
+              <a:t>Devs choose the resource they want.</a:t>
+            </a:r>
+          </a:p>
+          <a:p>
+            <a:r>
+              <a:rPr lang="en-US" sz="2200"/>
+              <a:t>Ops codify their environment with how these resources should be deployed.</a:t>
+            </a:r>
+          </a:p>
+        </p:txBody>
+      </p:sp>
+      <p:pic>
+        <p:nvPicPr>
+          <p:cNvPr id="3" name="Picture 2" descr="Radius">
+            <a:extLst>
+              <a:ext uri="{FF2B5EF4-FFF2-40B4-BE49-F238E27FC236}">
+                <a16:creationId xmlns:a16="http://schemas.microsoft.com/office/drawing/2014/main" id="{D1C6E2D3-01AD-0DE2-E840-A5A65E38EED2}"/>
+              </a:ext>
+            </a:extLst>
+          </p:cNvPr>
+          <p:cNvPicPr>
+            <a:picLocks noChangeAspect="1" noChangeArrowheads="1"/>
+          </p:cNvPicPr>
+          <p:nvPr/>
+        </p:nvPicPr>
+        <p:blipFill>
+          <a:blip r:embed="rId4">
+            <a:extLst>
+              <a:ext uri="{28A0092B-C50C-407E-A947-70E740481C1C}">
+                <a14:useLocalDpi xmlns:a14="http://schemas.microsoft.com/office/drawing/2010/main" val="0"/>
+              </a:ext>
+            </a:extLst>
+          </a:blip>
+          <a:stretch>
+            <a:fillRect/>
+          </a:stretch>
+        </p:blipFill>
+        <p:spPr bwMode="auto">
+          <a:xfrm>
+            <a:off x="8917344" y="278297"/>
+            <a:ext cx="2640672" cy="719583"/>
+          </a:xfrm>
+          <a:prstGeom prst="rect">
+            <a:avLst/>
+          </a:prstGeom>
+          <a:noFill/>
+          <a:extLst>
+            <a:ext uri="{909E8E84-426E-40DD-AFC4-6F175D3DCCD1}">
+              <a14:hiddenFill xmlns:a14="http://schemas.microsoft.com/office/drawing/2010/main">
+                <a:solidFill>
+                  <a:srgbClr val="FFFFFF"/>
+                </a:solidFill>
+              </a14:hiddenFill>
+            </a:ext>
+          </a:extLst>
+        </p:spPr>
+      </p:pic>
+    </p:spTree>
+    <p:extLst>
+      <p:ext uri="{BB962C8B-B14F-4D97-AF65-F5344CB8AC3E}">
+        <p14:creationId xmlns:p14="http://schemas.microsoft.com/office/powerpoint/2010/main" val="2125160840"/>
+      </p:ext>
+    </p:extLst>
+  </p:cSld>
+  <p:clrMapOvr>
+    <a:masterClrMapping/>
+  </p:clrMapOvr>
+  <p:transition spd="slow">
+    <p:push dir="u"/>
+  </p:transition>
+</p:sld>
+</file>
+
+<file path=ppt/slides/slide11.xml><?xml version="1.0" encoding="utf-8"?>
+<p:sld xmlns:a="http://schemas.openxmlformats.org/drawingml/2006/main" xmlns:r="http://schemas.openxmlformats.org/officeDocument/2006/relationships" xmlns:p="http://schemas.openxmlformats.org/presentationml/2006/main">
+  <p:cSld>
+    <p:bg>
+      <p:bgPr>
+        <a:solidFill>
+          <a:schemeClr val="bg1"/>
+        </a:solidFill>
+        <a:effectLst/>
+      </p:bgPr>
+    </p:bg>
+    <p:spTree>
+      <p:nvGrpSpPr>
+        <p:cNvPr id="1" name=""/>
+        <p:cNvGrpSpPr/>
+        <p:nvPr/>
+      </p:nvGrpSpPr>
+      <p:grpSpPr>
+        <a:xfrm>
+          <a:off x="0" y="0"/>
+          <a:ext cx="0" cy="0"/>
+          <a:chOff x="0" y="0"/>
+          <a:chExt cx="0" cy="0"/>
+        </a:xfrm>
+      </p:grpSpPr>
+      <p:sp useBgFill="1">
+        <p:nvSpPr>
           <p:cNvPr id="13" name="Rectangle 12">
             <a:extLst>
               <a:ext uri="{FF2B5EF4-FFF2-40B4-BE49-F238E27FC236}">
@@ -23760,7 +24318,7 @@
 </p:sld>
 </file>
 
-<file path=ppt/slides/slide11.xml><?xml version="1.0" encoding="utf-8"?>
+<file path=ppt/slides/slide12.xml><?xml version="1.0" encoding="utf-8"?>
 <p:sld xmlns:a="http://schemas.openxmlformats.org/drawingml/2006/main" xmlns:r="http://schemas.openxmlformats.org/officeDocument/2006/relationships" xmlns:p="http://schemas.openxmlformats.org/presentationml/2006/main">
   <p:cSld>
     <p:spTree>
@@ -23936,7 +24494,7 @@
 </p:sld>
 </file>
 
-<file path=ppt/slides/slide12.xml><?xml version="1.0" encoding="utf-8"?>
+<file path=ppt/slides/slide13.xml><?xml version="1.0" encoding="utf-8"?>
 <p:sld xmlns:a="http://schemas.openxmlformats.org/drawingml/2006/main" xmlns:r="http://schemas.openxmlformats.org/officeDocument/2006/relationships" xmlns:p="http://schemas.openxmlformats.org/presentationml/2006/main">
   <p:cSld>
     <p:spTree>
@@ -24076,7 +24634,7 @@
 </p:sld>
 </file>
 
-<file path=ppt/slides/slide13.xml><?xml version="1.0" encoding="utf-8"?>
+<file path=ppt/slides/slide14.xml><?xml version="1.0" encoding="utf-8"?>
 <p:sld xmlns:a="http://schemas.openxmlformats.org/drawingml/2006/main" xmlns:r="http://schemas.openxmlformats.org/officeDocument/2006/relationships" xmlns:p="http://schemas.openxmlformats.org/presentationml/2006/main">
   <p:cSld>
     <p:spTree>
@@ -24216,7 +24774,7 @@
 </p:sld>
 </file>
 
-<file path=ppt/slides/slide14.xml><?xml version="1.0" encoding="utf-8"?>
+<file path=ppt/slides/slide15.xml><?xml version="1.0" encoding="utf-8"?>
 <p:sld xmlns:a="http://schemas.openxmlformats.org/drawingml/2006/main" xmlns:r="http://schemas.openxmlformats.org/officeDocument/2006/relationships" xmlns:p="http://schemas.openxmlformats.org/presentationml/2006/main">
   <p:cSld>
     <p:spTree>
@@ -24448,7 +25006,7 @@
 </p:sld>
 </file>
 
-<file path=ppt/slides/slide15.xml><?xml version="1.0" encoding="utf-8"?>
+<file path=ppt/slides/slide16.xml><?xml version="1.0" encoding="utf-8"?>
 <p:sld xmlns:a="http://schemas.openxmlformats.org/drawingml/2006/main" xmlns:r="http://schemas.openxmlformats.org/officeDocument/2006/relationships" xmlns:p="http://schemas.openxmlformats.org/presentationml/2006/main">
   <p:cSld>
     <p:bg>
@@ -26244,27 +26802,6 @@
           </a:bodyPr>
           <a:lstStyle/>
           <a:p>
-            <a:r>
-              <a:rPr lang="en-US" kern="1200" dirty="0">
-                <a:solidFill>
-                  <a:schemeClr val="bg1"/>
-                </a:solidFill>
-                <a:latin typeface="+mn-lt"/>
-                <a:ea typeface="+mn-ea"/>
-                <a:cs typeface="+mn-cs"/>
-              </a:rPr>
-              <a:t>- Building our first app</a:t>
-            </a:r>
-          </a:p>
-          <a:p>
-            <a:r>
-              <a:rPr lang="en-US" dirty="0">
-                <a:solidFill>
-                  <a:schemeClr val="bg1"/>
-                </a:solidFill>
-              </a:rPr>
-              <a:t>- Working with Recipes</a:t>
-            </a:r>
             <a:endParaRPr lang="en-US" kern="1200" dirty="0">
               <a:solidFill>
                 <a:schemeClr val="bg1"/>
@@ -26598,7 +27135,7 @@
 </p:sld>
 </file>
 
-<file path=ppt/slides/slide16.xml><?xml version="1.0" encoding="utf-8"?>
+<file path=ppt/slides/slide17.xml><?xml version="1.0" encoding="utf-8"?>
 <p:sld xmlns:a="http://schemas.openxmlformats.org/drawingml/2006/main" xmlns:r="http://schemas.openxmlformats.org/officeDocument/2006/relationships" xmlns:p="http://schemas.openxmlformats.org/presentationml/2006/main">
   <p:cSld>
     <p:bg>
@@ -28607,7 +29144,7 @@
 </p:sld>
 </file>
 
-<file path=ppt/slides/slide17.xml><?xml version="1.0" encoding="utf-8"?>
+<file path=ppt/slides/slide18.xml><?xml version="1.0" encoding="utf-8"?>
 <p:sld xmlns:a="http://schemas.openxmlformats.org/drawingml/2006/main" xmlns:r="http://schemas.openxmlformats.org/officeDocument/2006/relationships" xmlns:p="http://schemas.openxmlformats.org/presentationml/2006/main">
   <p:cSld>
     <p:spTree>
@@ -28935,6 +29472,541 @@
 </file>
 
 <file path=ppt/slides/slide2.xml><?xml version="1.0" encoding="utf-8"?>
+<p:sld xmlns:a="http://schemas.openxmlformats.org/drawingml/2006/main" xmlns:r="http://schemas.openxmlformats.org/officeDocument/2006/relationships" xmlns:p="http://schemas.openxmlformats.org/presentationml/2006/main">
+  <p:cSld>
+    <p:bg>
+      <p:bgPr>
+        <a:solidFill>
+          <a:schemeClr val="bg1"/>
+        </a:solidFill>
+        <a:effectLst/>
+      </p:bgPr>
+    </p:bg>
+    <p:spTree>
+      <p:nvGrpSpPr>
+        <p:cNvPr id="1" name=""/>
+        <p:cNvGrpSpPr/>
+        <p:nvPr/>
+      </p:nvGrpSpPr>
+      <p:grpSpPr>
+        <a:xfrm>
+          <a:off x="0" y="0"/>
+          <a:ext cx="0" cy="0"/>
+          <a:chOff x="0" y="0"/>
+          <a:chExt cx="0" cy="0"/>
+        </a:xfrm>
+      </p:grpSpPr>
+      <p:sp useBgFill="1">
+        <p:nvSpPr>
+          <p:cNvPr id="11" name="Rectangle 10">
+            <a:extLst>
+              <a:ext uri="{FF2B5EF4-FFF2-40B4-BE49-F238E27FC236}">
+                <a16:creationId xmlns:a16="http://schemas.microsoft.com/office/drawing/2014/main" id="{7B831B6F-405A-4B47-B9BB-5CA88F285844}"/>
+              </a:ext>
+              <a:ext uri="{C183D7F6-B498-43B3-948B-1728B52AA6E4}">
+                <adec:decorative xmlns:adec="http://schemas.microsoft.com/office/drawing/2017/decorative" val="1"/>
+              </a:ext>
+            </a:extLst>
+          </p:cNvPr>
+          <p:cNvSpPr>
+            <a:spLocks noGrp="1" noRot="1" noChangeAspect="1" noMove="1" noResize="1" noEditPoints="1" noAdjustHandles="1" noChangeArrowheads="1" noChangeShapeType="1" noTextEdit="1"/>
+          </p:cNvSpPr>
+          <p:nvPr>
+            <p:extLst>
+              <p:ext uri="{386F3935-93C4-4BCD-93E2-E3B085C9AB24}">
+                <p16:designElem xmlns:p16="http://schemas.microsoft.com/office/powerpoint/2015/main" val="1"/>
+              </p:ext>
+            </p:extLst>
+          </p:nvPr>
+        </p:nvSpPr>
+        <p:spPr>
+          <a:xfrm>
+            <a:off x="0" y="0"/>
+            <a:ext cx="12192000" cy="6858000"/>
+          </a:xfrm>
+          <a:prstGeom prst="rect">
+            <a:avLst/>
+          </a:prstGeom>
+          <a:ln>
+            <a:noFill/>
+          </a:ln>
+        </p:spPr>
+        <p:style>
+          <a:lnRef idx="2">
+            <a:schemeClr val="accent1">
+              <a:shade val="50000"/>
+            </a:schemeClr>
+          </a:lnRef>
+          <a:fillRef idx="1">
+            <a:schemeClr val="accent1"/>
+          </a:fillRef>
+          <a:effectRef idx="0">
+            <a:schemeClr val="accent1"/>
+          </a:effectRef>
+          <a:fontRef idx="minor">
+            <a:schemeClr val="lt1"/>
+          </a:fontRef>
+        </p:style>
+        <p:txBody>
+          <a:bodyPr rtlCol="0" anchor="ctr"/>
+          <a:lstStyle/>
+          <a:p>
+            <a:pPr algn="ctr"/>
+            <a:endParaRPr lang="en-US"/>
+          </a:p>
+        </p:txBody>
+      </p:sp>
+      <p:sp>
+        <p:nvSpPr>
+          <p:cNvPr id="2" name="Title 1">
+            <a:extLst>
+              <a:ext uri="{FF2B5EF4-FFF2-40B4-BE49-F238E27FC236}">
+                <a16:creationId xmlns:a16="http://schemas.microsoft.com/office/drawing/2014/main" id="{DBAA8C55-1578-DDC2-B969-7D413E2E8777}"/>
+              </a:ext>
+            </a:extLst>
+          </p:cNvPr>
+          <p:cNvSpPr>
+            <a:spLocks noGrp="1"/>
+          </p:cNvSpPr>
+          <p:nvPr>
+            <p:ph type="title"/>
+          </p:nvPr>
+        </p:nvSpPr>
+        <p:spPr>
+          <a:xfrm>
+            <a:off x="6739128" y="638089"/>
+            <a:ext cx="4818888" cy="1476801"/>
+          </a:xfrm>
+        </p:spPr>
+        <p:txBody>
+          <a:bodyPr vert="horz" lIns="91440" tIns="45720" rIns="91440" bIns="45720" rtlCol="0" anchor="b">
+            <a:normAutofit/>
+          </a:bodyPr>
+          <a:lstStyle/>
+          <a:p>
+            <a:r>
+              <a:rPr lang="en-US" sz="5400" kern="1200">
+                <a:solidFill>
+                  <a:schemeClr val="tx1"/>
+                </a:solidFill>
+                <a:latin typeface="+mj-lt"/>
+                <a:ea typeface="+mj-ea"/>
+                <a:cs typeface="+mj-cs"/>
+              </a:rPr>
+              <a:t>whoami?</a:t>
+            </a:r>
+          </a:p>
+        </p:txBody>
+      </p:sp>
+      <p:pic>
+        <p:nvPicPr>
+          <p:cNvPr id="6" name="Content Placeholder 5" descr="A person standing at a podium&#10;&#10;Description automatically generated">
+            <a:extLst>
+              <a:ext uri="{FF2B5EF4-FFF2-40B4-BE49-F238E27FC236}">
+                <a16:creationId xmlns:a16="http://schemas.microsoft.com/office/drawing/2014/main" id="{2EA71B12-3637-CC72-2540-6311D7FF4CCF}"/>
+              </a:ext>
+            </a:extLst>
+          </p:cNvPr>
+          <p:cNvPicPr>
+            <a:picLocks noGrp="1" noChangeAspect="1"/>
+          </p:cNvPicPr>
+          <p:nvPr>
+            <p:ph sz="half" idx="1"/>
+          </p:nvPr>
+        </p:nvPicPr>
+        <p:blipFill>
+          <a:blip r:embed="rId2">
+            <a:extLst>
+              <a:ext uri="{28A0092B-C50C-407E-A947-70E740481C1C}">
+                <a14:useLocalDpi xmlns:a14="http://schemas.microsoft.com/office/drawing/2010/main" val="0"/>
+              </a:ext>
+            </a:extLst>
+          </a:blip>
+          <a:stretch>
+            <a:fillRect/>
+          </a:stretch>
+        </p:blipFill>
+        <p:spPr>
+          <a:xfrm>
+            <a:off x="630936" y="699516"/>
+            <a:ext cx="5458968" cy="5458968"/>
+          </a:xfrm>
+          <a:prstGeom prst="rect">
+            <a:avLst/>
+          </a:prstGeom>
+        </p:spPr>
+      </p:pic>
+      <p:sp>
+        <p:nvSpPr>
+          <p:cNvPr id="13" name="sketch line">
+            <a:extLst>
+              <a:ext uri="{FF2B5EF4-FFF2-40B4-BE49-F238E27FC236}">
+                <a16:creationId xmlns:a16="http://schemas.microsoft.com/office/drawing/2014/main" id="{953EE71A-6488-4203-A7C4-77102FD0DCCA}"/>
+              </a:ext>
+              <a:ext uri="{C183D7F6-B498-43B3-948B-1728B52AA6E4}">
+                <adec:decorative xmlns:adec="http://schemas.microsoft.com/office/drawing/2017/decorative" val="1"/>
+              </a:ext>
+            </a:extLst>
+          </p:cNvPr>
+          <p:cNvSpPr>
+            <a:spLocks noGrp="1" noRot="1" noChangeAspect="1" noMove="1" noResize="1" noEditPoints="1" noAdjustHandles="1" noChangeArrowheads="1" noChangeShapeType="1" noTextEdit="1"/>
+          </p:cNvSpPr>
+          <p:nvPr>
+            <p:extLst>
+              <p:ext uri="{386F3935-93C4-4BCD-93E2-E3B085C9AB24}">
+                <p16:designElem xmlns:p16="http://schemas.microsoft.com/office/powerpoint/2015/main" val="1"/>
+              </p:ext>
+            </p:extLst>
+          </p:nvPr>
+        </p:nvSpPr>
+        <p:spPr>
+          <a:xfrm>
+            <a:off x="6739128" y="2372868"/>
+            <a:ext cx="3255095" cy="18288"/>
+          </a:xfrm>
+          <a:custGeom>
+            <a:avLst/>
+            <a:gdLst>
+              <a:gd name="connsiteX0" fmla="*/ 0 w 3255095"/>
+              <a:gd name="connsiteY0" fmla="*/ 0 h 18288"/>
+              <a:gd name="connsiteX1" fmla="*/ 618468 w 3255095"/>
+              <a:gd name="connsiteY1" fmla="*/ 0 h 18288"/>
+              <a:gd name="connsiteX2" fmla="*/ 1269487 w 3255095"/>
+              <a:gd name="connsiteY2" fmla="*/ 0 h 18288"/>
+              <a:gd name="connsiteX3" fmla="*/ 1953057 w 3255095"/>
+              <a:gd name="connsiteY3" fmla="*/ 0 h 18288"/>
+              <a:gd name="connsiteX4" fmla="*/ 2636627 w 3255095"/>
+              <a:gd name="connsiteY4" fmla="*/ 0 h 18288"/>
+              <a:gd name="connsiteX5" fmla="*/ 3255095 w 3255095"/>
+              <a:gd name="connsiteY5" fmla="*/ 0 h 18288"/>
+              <a:gd name="connsiteX6" fmla="*/ 3255095 w 3255095"/>
+              <a:gd name="connsiteY6" fmla="*/ 18288 h 18288"/>
+              <a:gd name="connsiteX7" fmla="*/ 2538974 w 3255095"/>
+              <a:gd name="connsiteY7" fmla="*/ 18288 h 18288"/>
+              <a:gd name="connsiteX8" fmla="*/ 1822853 w 3255095"/>
+              <a:gd name="connsiteY8" fmla="*/ 18288 h 18288"/>
+              <a:gd name="connsiteX9" fmla="*/ 1171834 w 3255095"/>
+              <a:gd name="connsiteY9" fmla="*/ 18288 h 18288"/>
+              <a:gd name="connsiteX10" fmla="*/ 0 w 3255095"/>
+              <a:gd name="connsiteY10" fmla="*/ 18288 h 18288"/>
+              <a:gd name="connsiteX11" fmla="*/ 0 w 3255095"/>
+              <a:gd name="connsiteY11" fmla="*/ 0 h 18288"/>
+            </a:gdLst>
+            <a:ahLst/>
+            <a:cxnLst>
+              <a:cxn ang="0">
+                <a:pos x="connsiteX0" y="connsiteY0"/>
+              </a:cxn>
+              <a:cxn ang="0">
+                <a:pos x="connsiteX1" y="connsiteY1"/>
+              </a:cxn>
+              <a:cxn ang="0">
+                <a:pos x="connsiteX2" y="connsiteY2"/>
+              </a:cxn>
+              <a:cxn ang="0">
+                <a:pos x="connsiteX3" y="connsiteY3"/>
+              </a:cxn>
+              <a:cxn ang="0">
+                <a:pos x="connsiteX4" y="connsiteY4"/>
+              </a:cxn>
+              <a:cxn ang="0">
+                <a:pos x="connsiteX5" y="connsiteY5"/>
+              </a:cxn>
+              <a:cxn ang="0">
+                <a:pos x="connsiteX6" y="connsiteY6"/>
+              </a:cxn>
+              <a:cxn ang="0">
+                <a:pos x="connsiteX7" y="connsiteY7"/>
+              </a:cxn>
+              <a:cxn ang="0">
+                <a:pos x="connsiteX8" y="connsiteY8"/>
+              </a:cxn>
+              <a:cxn ang="0">
+                <a:pos x="connsiteX9" y="connsiteY9"/>
+              </a:cxn>
+              <a:cxn ang="0">
+                <a:pos x="connsiteX10" y="connsiteY10"/>
+              </a:cxn>
+              <a:cxn ang="0">
+                <a:pos x="connsiteX11" y="connsiteY11"/>
+              </a:cxn>
+            </a:cxnLst>
+            <a:rect l="l" t="t" r="r" b="b"/>
+            <a:pathLst>
+              <a:path w="3255095" h="18288" fill="none" extrusionOk="0">
+                <a:moveTo>
+                  <a:pt x="0" y="0"/>
+                </a:moveTo>
+                <a:cubicBezTo>
+                  <a:pt x="240201" y="-22123"/>
+                  <a:pt x="462021" y="-19623"/>
+                  <a:pt x="618468" y="0"/>
+                </a:cubicBezTo>
+                <a:cubicBezTo>
+                  <a:pt x="774915" y="19623"/>
+                  <a:pt x="974734" y="2035"/>
+                  <a:pt x="1269487" y="0"/>
+                </a:cubicBezTo>
+                <a:cubicBezTo>
+                  <a:pt x="1564240" y="-2035"/>
+                  <a:pt x="1733579" y="10639"/>
+                  <a:pt x="1953057" y="0"/>
+                </a:cubicBezTo>
+                <a:cubicBezTo>
+                  <a:pt x="2172535" y="-10639"/>
+                  <a:pt x="2453962" y="14018"/>
+                  <a:pt x="2636627" y="0"/>
+                </a:cubicBezTo>
+                <a:cubicBezTo>
+                  <a:pt x="2819292" y="-14018"/>
+                  <a:pt x="3121375" y="5399"/>
+                  <a:pt x="3255095" y="0"/>
+                </a:cubicBezTo>
+                <a:cubicBezTo>
+                  <a:pt x="3254386" y="8157"/>
+                  <a:pt x="3254682" y="12125"/>
+                  <a:pt x="3255095" y="18288"/>
+                </a:cubicBezTo>
+                <a:cubicBezTo>
+                  <a:pt x="3088545" y="23203"/>
+                  <a:pt x="2687475" y="7419"/>
+                  <a:pt x="2538974" y="18288"/>
+                </a:cubicBezTo>
+                <a:cubicBezTo>
+                  <a:pt x="2390473" y="29157"/>
+                  <a:pt x="2137381" y="-8959"/>
+                  <a:pt x="1822853" y="18288"/>
+                </a:cubicBezTo>
+                <a:cubicBezTo>
+                  <a:pt x="1508325" y="45535"/>
+                  <a:pt x="1466437" y="20385"/>
+                  <a:pt x="1171834" y="18288"/>
+                </a:cubicBezTo>
+                <a:cubicBezTo>
+                  <a:pt x="877231" y="16191"/>
+                  <a:pt x="561097" y="37643"/>
+                  <a:pt x="0" y="18288"/>
+                </a:cubicBezTo>
+                <a:cubicBezTo>
+                  <a:pt x="-46" y="12483"/>
+                  <a:pt x="-203" y="6491"/>
+                  <a:pt x="0" y="0"/>
+                </a:cubicBezTo>
+                <a:close/>
+              </a:path>
+              <a:path w="3255095" h="18288" stroke="0" extrusionOk="0">
+                <a:moveTo>
+                  <a:pt x="0" y="0"/>
+                </a:moveTo>
+                <a:cubicBezTo>
+                  <a:pt x="291965" y="19429"/>
+                  <a:pt x="363155" y="8568"/>
+                  <a:pt x="618468" y="0"/>
+                </a:cubicBezTo>
+                <a:cubicBezTo>
+                  <a:pt x="873781" y="-8568"/>
+                  <a:pt x="904459" y="-19505"/>
+                  <a:pt x="1171834" y="0"/>
+                </a:cubicBezTo>
+                <a:cubicBezTo>
+                  <a:pt x="1439209" y="19505"/>
+                  <a:pt x="1744369" y="9790"/>
+                  <a:pt x="1887955" y="0"/>
+                </a:cubicBezTo>
+                <a:cubicBezTo>
+                  <a:pt x="2031541" y="-9790"/>
+                  <a:pt x="2346378" y="21240"/>
+                  <a:pt x="2506423" y="0"/>
+                </a:cubicBezTo>
+                <a:cubicBezTo>
+                  <a:pt x="2666468" y="-21240"/>
+                  <a:pt x="2990257" y="30414"/>
+                  <a:pt x="3255095" y="0"/>
+                </a:cubicBezTo>
+                <a:cubicBezTo>
+                  <a:pt x="3254831" y="4493"/>
+                  <a:pt x="3255479" y="9472"/>
+                  <a:pt x="3255095" y="18288"/>
+                </a:cubicBezTo>
+                <a:cubicBezTo>
+                  <a:pt x="3120743" y="16690"/>
+                  <a:pt x="2759628" y="42462"/>
+                  <a:pt x="2604076" y="18288"/>
+                </a:cubicBezTo>
+                <a:cubicBezTo>
+                  <a:pt x="2448524" y="-5886"/>
+                  <a:pt x="2184336" y="19599"/>
+                  <a:pt x="1887955" y="18288"/>
+                </a:cubicBezTo>
+                <a:cubicBezTo>
+                  <a:pt x="1591574" y="16977"/>
+                  <a:pt x="1548845" y="6870"/>
+                  <a:pt x="1334589" y="18288"/>
+                </a:cubicBezTo>
+                <a:cubicBezTo>
+                  <a:pt x="1120333" y="29706"/>
+                  <a:pt x="996014" y="9662"/>
+                  <a:pt x="683570" y="18288"/>
+                </a:cubicBezTo>
+                <a:cubicBezTo>
+                  <a:pt x="371126" y="26914"/>
+                  <a:pt x="198687" y="16167"/>
+                  <a:pt x="0" y="18288"/>
+                </a:cubicBezTo>
+                <a:cubicBezTo>
+                  <a:pt x="843" y="9577"/>
+                  <a:pt x="371" y="6900"/>
+                  <a:pt x="0" y="0"/>
+                </a:cubicBezTo>
+                <a:close/>
+              </a:path>
+            </a:pathLst>
+          </a:custGeom>
+          <a:solidFill>
+            <a:schemeClr val="accent2"/>
+          </a:solidFill>
+          <a:ln w="38100" cap="rnd">
+            <a:solidFill>
+              <a:schemeClr val="accent2"/>
+            </a:solidFill>
+            <a:round/>
+            <a:extLst>
+              <a:ext uri="{C807C97D-BFC1-408E-A445-0C87EB9F89A2}">
+                <ask:lineSketchStyleProps xmlns:ask="http://schemas.microsoft.com/office/drawing/2018/sketchyshapes" sd="1219033472">
+                  <a:prstGeom prst="rect">
+                    <a:avLst/>
+                  </a:prstGeom>
+                  <ask:type>
+                    <ask:lineSketchFreehand/>
+                  </ask:type>
+                </ask:lineSketchStyleProps>
+              </a:ext>
+            </a:extLst>
+          </a:ln>
+        </p:spPr>
+        <p:style>
+          <a:lnRef idx="2">
+            <a:schemeClr val="accent1">
+              <a:shade val="50000"/>
+            </a:schemeClr>
+          </a:lnRef>
+          <a:fillRef idx="1">
+            <a:schemeClr val="accent1"/>
+          </a:fillRef>
+          <a:effectRef idx="0">
+            <a:schemeClr val="accent1"/>
+          </a:effectRef>
+          <a:fontRef idx="minor">
+            <a:schemeClr val="lt1"/>
+          </a:fontRef>
+        </p:style>
+        <p:txBody>
+          <a:bodyPr rtlCol="0" anchor="ctr"/>
+          <a:lstStyle/>
+          <a:p>
+            <a:pPr algn="ctr"/>
+            <a:endParaRPr lang="en-US"/>
+          </a:p>
+        </p:txBody>
+      </p:sp>
+      <p:sp>
+        <p:nvSpPr>
+          <p:cNvPr id="5" name="Content Placeholder 4">
+            <a:extLst>
+              <a:ext uri="{FF2B5EF4-FFF2-40B4-BE49-F238E27FC236}">
+                <a16:creationId xmlns:a16="http://schemas.microsoft.com/office/drawing/2014/main" id="{83E4F9D8-7044-F4E5-8CE2-0E668A12610F}"/>
+              </a:ext>
+            </a:extLst>
+          </p:cNvPr>
+          <p:cNvSpPr>
+            <a:spLocks noGrp="1"/>
+          </p:cNvSpPr>
+          <p:nvPr>
+            <p:ph sz="half" idx="2"/>
+          </p:nvPr>
+        </p:nvSpPr>
+        <p:spPr>
+          <a:xfrm>
+            <a:off x="6739128" y="2664886"/>
+            <a:ext cx="4818888" cy="3550789"/>
+          </a:xfrm>
+        </p:spPr>
+        <p:txBody>
+          <a:bodyPr vert="horz" lIns="91440" tIns="45720" rIns="91440" bIns="45720" rtlCol="0" anchor="t">
+            <a:normAutofit/>
+          </a:bodyPr>
+          <a:lstStyle/>
+          <a:p>
+            <a:r>
+              <a:rPr lang="en-US" sz="2200" dirty="0"/>
+              <a:t>Lead Software Engineer at </a:t>
+            </a:r>
+            <a:r>
+              <a:rPr lang="en-US" sz="2200" dirty="0" err="1"/>
+              <a:t>Azenix</a:t>
+            </a:r>
+            <a:r>
+              <a:rPr lang="en-US" sz="2200" dirty="0"/>
+              <a:t> by Mantel Group.</a:t>
+            </a:r>
+          </a:p>
+          <a:p>
+            <a:r>
+              <a:rPr lang="en-US" sz="2200" dirty="0"/>
+              <a:t>Former </a:t>
+            </a:r>
+            <a:r>
+              <a:rPr lang="en-US" sz="2200" dirty="0" err="1"/>
+              <a:t>MSFTer</a:t>
+            </a:r>
+            <a:r>
+              <a:rPr lang="en-US" sz="2200" dirty="0"/>
+              <a:t> and Microsoft MVP based in Auckland – Moved to </a:t>
+            </a:r>
+            <a:r>
+              <a:rPr lang="en-US" sz="2200"/>
+              <a:t>Melbourne last </a:t>
+            </a:r>
+            <a:r>
+              <a:rPr lang="en-US" sz="2200" dirty="0"/>
+              <a:t>year</a:t>
+            </a:r>
+          </a:p>
+          <a:p>
+            <a:r>
+              <a:rPr lang="en-US" sz="2200" dirty="0"/>
+              <a:t>.NET and Azure developer with experience in banking, agriculture, and health industries.</a:t>
+            </a:r>
+          </a:p>
+          <a:p>
+            <a:r>
+              <a:rPr lang="en-US" sz="2200" dirty="0"/>
+              <a:t>Former average rugby player.</a:t>
+            </a:r>
+          </a:p>
+          <a:p>
+            <a:pPr marL="0"/>
+            <a:endParaRPr lang="en-US" sz="2200" dirty="0"/>
+          </a:p>
+        </p:txBody>
+      </p:sp>
+    </p:spTree>
+    <p:extLst>
+      <p:ext uri="{BB962C8B-B14F-4D97-AF65-F5344CB8AC3E}">
+        <p14:creationId xmlns:p14="http://schemas.microsoft.com/office/powerpoint/2010/main" val="4077116758"/>
+      </p:ext>
+    </p:extLst>
+  </p:cSld>
+  <p:clrMapOvr>
+    <a:masterClrMapping/>
+  </p:clrMapOvr>
+  <p:transition spd="slow">
+    <p:push dir="u"/>
+  </p:transition>
+</p:sld>
+</file>
+
+<file path=ppt/slides/slide3.xml><?xml version="1.0" encoding="utf-8"?>
 <p:sld xmlns:a="http://schemas.openxmlformats.org/drawingml/2006/main" xmlns:r="http://schemas.openxmlformats.org/officeDocument/2006/relationships" xmlns:p="http://schemas.openxmlformats.org/presentationml/2006/main">
   <p:cSld>
     <p:bg>
@@ -29454,7 +30526,7 @@
 </p:sld>
 </file>
 
-<file path=ppt/slides/slide3.xml><?xml version="1.0" encoding="utf-8"?>
+<file path=ppt/slides/slide4.xml><?xml version="1.0" encoding="utf-8"?>
 <p:sld xmlns:a="http://schemas.openxmlformats.org/drawingml/2006/main" xmlns:r="http://schemas.openxmlformats.org/officeDocument/2006/relationships" xmlns:p="http://schemas.openxmlformats.org/presentationml/2006/main">
   <p:cSld>
     <p:bg>
@@ -30232,7 +31304,7 @@
 </p:sld>
 </file>
 
-<file path=ppt/slides/slide4.xml><?xml version="1.0" encoding="utf-8"?>
+<file path=ppt/slides/slide5.xml><?xml version="1.0" encoding="utf-8"?>
 <p:sld xmlns:a="http://schemas.openxmlformats.org/drawingml/2006/main" xmlns:r="http://schemas.openxmlformats.org/officeDocument/2006/relationships" xmlns:p="http://schemas.openxmlformats.org/presentationml/2006/main">
   <p:cSld>
     <p:spTree>
@@ -30324,7 +31396,7 @@
 </p:sld>
 </file>
 
-<file path=ppt/slides/slide5.xml><?xml version="1.0" encoding="utf-8"?>
+<file path=ppt/slides/slide6.xml><?xml version="1.0" encoding="utf-8"?>
 <p:sld xmlns:a="http://schemas.openxmlformats.org/drawingml/2006/main" xmlns:r="http://schemas.openxmlformats.org/officeDocument/2006/relationships" xmlns:p="http://schemas.openxmlformats.org/presentationml/2006/main">
   <p:cSld>
     <p:spTree>
@@ -30513,7 +31585,7 @@
 </p:sld>
 </file>
 
-<file path=ppt/slides/slide6.xml><?xml version="1.0" encoding="utf-8"?>
+<file path=ppt/slides/slide7.xml><?xml version="1.0" encoding="utf-8"?>
 <p:sld xmlns:a="http://schemas.openxmlformats.org/drawingml/2006/main" xmlns:r="http://schemas.openxmlformats.org/officeDocument/2006/relationships" xmlns:p="http://schemas.openxmlformats.org/presentationml/2006/main">
   <p:cSld>
     <p:bg>
@@ -31070,7 +32142,7 @@
 </p:sld>
 </file>
 
-<file path=ppt/slides/slide7.xml><?xml version="1.0" encoding="utf-8"?>
+<file path=ppt/slides/slide8.xml><?xml version="1.0" encoding="utf-8"?>
 <p:sld xmlns:a="http://schemas.openxmlformats.org/drawingml/2006/main" xmlns:r="http://schemas.openxmlformats.org/officeDocument/2006/relationships" xmlns:p="http://schemas.openxmlformats.org/presentationml/2006/main">
   <p:cSld>
     <p:bg>
@@ -31627,7 +32699,7 @@
 </p:sld>
 </file>
 
-<file path=ppt/slides/slide8.xml><?xml version="1.0" encoding="utf-8"?>
+<file path=ppt/slides/slide9.xml><?xml version="1.0" encoding="utf-8"?>
 <p:sld xmlns:a="http://schemas.openxmlformats.org/drawingml/2006/main" xmlns:r="http://schemas.openxmlformats.org/officeDocument/2006/relationships" xmlns:p="http://schemas.openxmlformats.org/presentationml/2006/main">
   <p:cSld>
     <p:bg>
@@ -32178,563 +33250,6 @@
     <p:extLst>
       <p:ext uri="{BB962C8B-B14F-4D97-AF65-F5344CB8AC3E}">
         <p14:creationId xmlns:p14="http://schemas.microsoft.com/office/powerpoint/2010/main" val="3367855152"/>
-      </p:ext>
-    </p:extLst>
-  </p:cSld>
-  <p:clrMapOvr>
-    <a:masterClrMapping/>
-  </p:clrMapOvr>
-  <p:transition spd="slow">
-    <p:push dir="u"/>
-  </p:transition>
-</p:sld>
-</file>
-
-<file path=ppt/slides/slide9.xml><?xml version="1.0" encoding="utf-8"?>
-<p:sld xmlns:a="http://schemas.openxmlformats.org/drawingml/2006/main" xmlns:r="http://schemas.openxmlformats.org/officeDocument/2006/relationships" xmlns:p="http://schemas.openxmlformats.org/presentationml/2006/main">
-  <p:cSld>
-    <p:bg>
-      <p:bgPr>
-        <a:solidFill>
-          <a:schemeClr val="bg1"/>
-        </a:solidFill>
-        <a:effectLst/>
-      </p:bgPr>
-    </p:bg>
-    <p:spTree>
-      <p:nvGrpSpPr>
-        <p:cNvPr id="1" name=""/>
-        <p:cNvGrpSpPr/>
-        <p:nvPr/>
-      </p:nvGrpSpPr>
-      <p:grpSpPr>
-        <a:xfrm>
-          <a:off x="0" y="0"/>
-          <a:ext cx="0" cy="0"/>
-          <a:chOff x="0" y="0"/>
-          <a:chExt cx="0" cy="0"/>
-        </a:xfrm>
-      </p:grpSpPr>
-      <p:sp useBgFill="1">
-        <p:nvSpPr>
-          <p:cNvPr id="6151" name="Rectangle 6150">
-            <a:extLst>
-              <a:ext uri="{FF2B5EF4-FFF2-40B4-BE49-F238E27FC236}">
-                <a16:creationId xmlns:a16="http://schemas.microsoft.com/office/drawing/2014/main" id="{7B831B6F-405A-4B47-B9BB-5CA88F285844}"/>
-              </a:ext>
-              <a:ext uri="{C183D7F6-B498-43B3-948B-1728B52AA6E4}">
-                <adec:decorative xmlns:adec="http://schemas.microsoft.com/office/drawing/2017/decorative" val="1"/>
-              </a:ext>
-            </a:extLst>
-          </p:cNvPr>
-          <p:cNvSpPr>
-            <a:spLocks noGrp="1" noRot="1" noChangeAspect="1" noMove="1" noResize="1" noEditPoints="1" noAdjustHandles="1" noChangeArrowheads="1" noChangeShapeType="1" noTextEdit="1"/>
-          </p:cNvSpPr>
-          <p:nvPr>
-            <p:extLst>
-              <p:ext uri="{386F3935-93C4-4BCD-93E2-E3B085C9AB24}">
-                <p16:designElem xmlns:p16="http://schemas.microsoft.com/office/powerpoint/2015/main" val="1"/>
-              </p:ext>
-            </p:extLst>
-          </p:nvPr>
-        </p:nvSpPr>
-        <p:spPr>
-          <a:xfrm>
-            <a:off x="0" y="0"/>
-            <a:ext cx="12192000" cy="6858000"/>
-          </a:xfrm>
-          <a:prstGeom prst="rect">
-            <a:avLst/>
-          </a:prstGeom>
-          <a:ln>
-            <a:noFill/>
-          </a:ln>
-        </p:spPr>
-        <p:style>
-          <a:lnRef idx="2">
-            <a:schemeClr val="accent1">
-              <a:shade val="50000"/>
-            </a:schemeClr>
-          </a:lnRef>
-          <a:fillRef idx="1">
-            <a:schemeClr val="accent1"/>
-          </a:fillRef>
-          <a:effectRef idx="0">
-            <a:schemeClr val="accent1"/>
-          </a:effectRef>
-          <a:fontRef idx="minor">
-            <a:schemeClr val="lt1"/>
-          </a:fontRef>
-        </p:style>
-        <p:txBody>
-          <a:bodyPr rtlCol="0" anchor="ctr"/>
-          <a:lstStyle/>
-          <a:p>
-            <a:pPr algn="ctr"/>
-            <a:endParaRPr lang="en-US"/>
-          </a:p>
-        </p:txBody>
-      </p:sp>
-      <p:sp>
-        <p:nvSpPr>
-          <p:cNvPr id="2" name="Title 1">
-            <a:extLst>
-              <a:ext uri="{FF2B5EF4-FFF2-40B4-BE49-F238E27FC236}">
-                <a16:creationId xmlns:a16="http://schemas.microsoft.com/office/drawing/2014/main" id="{A2D99A9E-34C6-A915-86FA-0F1D61C7535E}"/>
-              </a:ext>
-            </a:extLst>
-          </p:cNvPr>
-          <p:cNvSpPr>
-            <a:spLocks noGrp="1"/>
-          </p:cNvSpPr>
-          <p:nvPr>
-            <p:ph type="title"/>
-          </p:nvPr>
-        </p:nvSpPr>
-        <p:spPr>
-          <a:xfrm>
-            <a:off x="6739128" y="638089"/>
-            <a:ext cx="4818888" cy="1476801"/>
-          </a:xfrm>
-        </p:spPr>
-        <p:txBody>
-          <a:bodyPr vert="horz" lIns="91440" tIns="45720" rIns="91440" bIns="45720" rtlCol="0" anchor="b">
-            <a:normAutofit/>
-          </a:bodyPr>
-          <a:lstStyle/>
-          <a:p>
-            <a:r>
-              <a:rPr lang="en-US" sz="5400" kern="1200">
-                <a:solidFill>
-                  <a:schemeClr val="tx1"/>
-                </a:solidFill>
-                <a:latin typeface="+mj-lt"/>
-                <a:ea typeface="+mj-ea"/>
-                <a:cs typeface="+mj-cs"/>
-              </a:rPr>
-              <a:t>Radius Recipes</a:t>
-            </a:r>
-          </a:p>
-        </p:txBody>
-      </p:sp>
-      <p:pic>
-        <p:nvPicPr>
-          <p:cNvPr id="6146" name="Picture 2">
-            <a:extLst>
-              <a:ext uri="{FF2B5EF4-FFF2-40B4-BE49-F238E27FC236}">
-                <a16:creationId xmlns:a16="http://schemas.microsoft.com/office/drawing/2014/main" id="{4B8ED1A2-19C6-9628-77B4-BECCA5B72110}"/>
-              </a:ext>
-            </a:extLst>
-          </p:cNvPr>
-          <p:cNvPicPr>
-            <a:picLocks noGrp="1" noChangeAspect="1" noChangeArrowheads="1"/>
-          </p:cNvPicPr>
-          <p:nvPr>
-            <p:ph sz="half" idx="1"/>
-          </p:nvPr>
-        </p:nvPicPr>
-        <p:blipFill>
-          <a:blip r:embed="rId3">
-            <a:extLst>
-              <a:ext uri="{28A0092B-C50C-407E-A947-70E740481C1C}">
-                <a14:useLocalDpi xmlns:a14="http://schemas.microsoft.com/office/drawing/2010/main" val="0"/>
-              </a:ext>
-            </a:extLst>
-          </a:blip>
-          <a:stretch>
-            <a:fillRect/>
-          </a:stretch>
-        </p:blipFill>
-        <p:spPr bwMode="auto">
-          <a:xfrm>
-            <a:off x="630936" y="2282617"/>
-            <a:ext cx="5458968" cy="2292766"/>
-          </a:xfrm>
-          <a:prstGeom prst="rect">
-            <a:avLst/>
-          </a:prstGeom>
-          <a:noFill/>
-          <a:extLst>
-            <a:ext uri="{909E8E84-426E-40DD-AFC4-6F175D3DCCD1}">
-              <a14:hiddenFill xmlns:a14="http://schemas.microsoft.com/office/drawing/2010/main">
-                <a:solidFill>
-                  <a:srgbClr val="FFFFFF"/>
-                </a:solidFill>
-              </a14:hiddenFill>
-            </a:ext>
-          </a:extLst>
-        </p:spPr>
-      </p:pic>
-      <p:sp>
-        <p:nvSpPr>
-          <p:cNvPr id="6153" name="sketch line">
-            <a:extLst>
-              <a:ext uri="{FF2B5EF4-FFF2-40B4-BE49-F238E27FC236}">
-                <a16:creationId xmlns:a16="http://schemas.microsoft.com/office/drawing/2014/main" id="{953EE71A-6488-4203-A7C4-77102FD0DCCA}"/>
-              </a:ext>
-              <a:ext uri="{C183D7F6-B498-43B3-948B-1728B52AA6E4}">
-                <adec:decorative xmlns:adec="http://schemas.microsoft.com/office/drawing/2017/decorative" val="1"/>
-              </a:ext>
-            </a:extLst>
-          </p:cNvPr>
-          <p:cNvSpPr>
-            <a:spLocks noGrp="1" noRot="1" noChangeAspect="1" noMove="1" noResize="1" noEditPoints="1" noAdjustHandles="1" noChangeArrowheads="1" noChangeShapeType="1" noTextEdit="1"/>
-          </p:cNvSpPr>
-          <p:nvPr>
-            <p:extLst>
-              <p:ext uri="{386F3935-93C4-4BCD-93E2-E3B085C9AB24}">
-                <p16:designElem xmlns:p16="http://schemas.microsoft.com/office/powerpoint/2015/main" val="1"/>
-              </p:ext>
-            </p:extLst>
-          </p:nvPr>
-        </p:nvSpPr>
-        <p:spPr>
-          <a:xfrm>
-            <a:off x="6739128" y="2372868"/>
-            <a:ext cx="3255095" cy="18288"/>
-          </a:xfrm>
-          <a:custGeom>
-            <a:avLst/>
-            <a:gdLst>
-              <a:gd name="connsiteX0" fmla="*/ 0 w 3255095"/>
-              <a:gd name="connsiteY0" fmla="*/ 0 h 18288"/>
-              <a:gd name="connsiteX1" fmla="*/ 618468 w 3255095"/>
-              <a:gd name="connsiteY1" fmla="*/ 0 h 18288"/>
-              <a:gd name="connsiteX2" fmla="*/ 1269487 w 3255095"/>
-              <a:gd name="connsiteY2" fmla="*/ 0 h 18288"/>
-              <a:gd name="connsiteX3" fmla="*/ 1953057 w 3255095"/>
-              <a:gd name="connsiteY3" fmla="*/ 0 h 18288"/>
-              <a:gd name="connsiteX4" fmla="*/ 2636627 w 3255095"/>
-              <a:gd name="connsiteY4" fmla="*/ 0 h 18288"/>
-              <a:gd name="connsiteX5" fmla="*/ 3255095 w 3255095"/>
-              <a:gd name="connsiteY5" fmla="*/ 0 h 18288"/>
-              <a:gd name="connsiteX6" fmla="*/ 3255095 w 3255095"/>
-              <a:gd name="connsiteY6" fmla="*/ 18288 h 18288"/>
-              <a:gd name="connsiteX7" fmla="*/ 2538974 w 3255095"/>
-              <a:gd name="connsiteY7" fmla="*/ 18288 h 18288"/>
-              <a:gd name="connsiteX8" fmla="*/ 1822853 w 3255095"/>
-              <a:gd name="connsiteY8" fmla="*/ 18288 h 18288"/>
-              <a:gd name="connsiteX9" fmla="*/ 1171834 w 3255095"/>
-              <a:gd name="connsiteY9" fmla="*/ 18288 h 18288"/>
-              <a:gd name="connsiteX10" fmla="*/ 0 w 3255095"/>
-              <a:gd name="connsiteY10" fmla="*/ 18288 h 18288"/>
-              <a:gd name="connsiteX11" fmla="*/ 0 w 3255095"/>
-              <a:gd name="connsiteY11" fmla="*/ 0 h 18288"/>
-            </a:gdLst>
-            <a:ahLst/>
-            <a:cxnLst>
-              <a:cxn ang="0">
-                <a:pos x="connsiteX0" y="connsiteY0"/>
-              </a:cxn>
-              <a:cxn ang="0">
-                <a:pos x="connsiteX1" y="connsiteY1"/>
-              </a:cxn>
-              <a:cxn ang="0">
-                <a:pos x="connsiteX2" y="connsiteY2"/>
-              </a:cxn>
-              <a:cxn ang="0">
-                <a:pos x="connsiteX3" y="connsiteY3"/>
-              </a:cxn>
-              <a:cxn ang="0">
-                <a:pos x="connsiteX4" y="connsiteY4"/>
-              </a:cxn>
-              <a:cxn ang="0">
-                <a:pos x="connsiteX5" y="connsiteY5"/>
-              </a:cxn>
-              <a:cxn ang="0">
-                <a:pos x="connsiteX6" y="connsiteY6"/>
-              </a:cxn>
-              <a:cxn ang="0">
-                <a:pos x="connsiteX7" y="connsiteY7"/>
-              </a:cxn>
-              <a:cxn ang="0">
-                <a:pos x="connsiteX8" y="connsiteY8"/>
-              </a:cxn>
-              <a:cxn ang="0">
-                <a:pos x="connsiteX9" y="connsiteY9"/>
-              </a:cxn>
-              <a:cxn ang="0">
-                <a:pos x="connsiteX10" y="connsiteY10"/>
-              </a:cxn>
-              <a:cxn ang="0">
-                <a:pos x="connsiteX11" y="connsiteY11"/>
-              </a:cxn>
-            </a:cxnLst>
-            <a:rect l="l" t="t" r="r" b="b"/>
-            <a:pathLst>
-              <a:path w="3255095" h="18288" fill="none" extrusionOk="0">
-                <a:moveTo>
-                  <a:pt x="0" y="0"/>
-                </a:moveTo>
-                <a:cubicBezTo>
-                  <a:pt x="240201" y="-22123"/>
-                  <a:pt x="462021" y="-19623"/>
-                  <a:pt x="618468" y="0"/>
-                </a:cubicBezTo>
-                <a:cubicBezTo>
-                  <a:pt x="774915" y="19623"/>
-                  <a:pt x="974734" y="2035"/>
-                  <a:pt x="1269487" y="0"/>
-                </a:cubicBezTo>
-                <a:cubicBezTo>
-                  <a:pt x="1564240" y="-2035"/>
-                  <a:pt x="1733579" y="10639"/>
-                  <a:pt x="1953057" y="0"/>
-                </a:cubicBezTo>
-                <a:cubicBezTo>
-                  <a:pt x="2172535" y="-10639"/>
-                  <a:pt x="2453962" y="14018"/>
-                  <a:pt x="2636627" y="0"/>
-                </a:cubicBezTo>
-                <a:cubicBezTo>
-                  <a:pt x="2819292" y="-14018"/>
-                  <a:pt x="3121375" y="5399"/>
-                  <a:pt x="3255095" y="0"/>
-                </a:cubicBezTo>
-                <a:cubicBezTo>
-                  <a:pt x="3254386" y="8157"/>
-                  <a:pt x="3254682" y="12125"/>
-                  <a:pt x="3255095" y="18288"/>
-                </a:cubicBezTo>
-                <a:cubicBezTo>
-                  <a:pt x="3088545" y="23203"/>
-                  <a:pt x="2687475" y="7419"/>
-                  <a:pt x="2538974" y="18288"/>
-                </a:cubicBezTo>
-                <a:cubicBezTo>
-                  <a:pt x="2390473" y="29157"/>
-                  <a:pt x="2137381" y="-8959"/>
-                  <a:pt x="1822853" y="18288"/>
-                </a:cubicBezTo>
-                <a:cubicBezTo>
-                  <a:pt x="1508325" y="45535"/>
-                  <a:pt x="1466437" y="20385"/>
-                  <a:pt x="1171834" y="18288"/>
-                </a:cubicBezTo>
-                <a:cubicBezTo>
-                  <a:pt x="877231" y="16191"/>
-                  <a:pt x="561097" y="37643"/>
-                  <a:pt x="0" y="18288"/>
-                </a:cubicBezTo>
-                <a:cubicBezTo>
-                  <a:pt x="-46" y="12483"/>
-                  <a:pt x="-203" y="6491"/>
-                  <a:pt x="0" y="0"/>
-                </a:cubicBezTo>
-                <a:close/>
-              </a:path>
-              <a:path w="3255095" h="18288" stroke="0" extrusionOk="0">
-                <a:moveTo>
-                  <a:pt x="0" y="0"/>
-                </a:moveTo>
-                <a:cubicBezTo>
-                  <a:pt x="291965" y="19429"/>
-                  <a:pt x="363155" y="8568"/>
-                  <a:pt x="618468" y="0"/>
-                </a:cubicBezTo>
-                <a:cubicBezTo>
-                  <a:pt x="873781" y="-8568"/>
-                  <a:pt x="904459" y="-19505"/>
-                  <a:pt x="1171834" y="0"/>
-                </a:cubicBezTo>
-                <a:cubicBezTo>
-                  <a:pt x="1439209" y="19505"/>
-                  <a:pt x="1744369" y="9790"/>
-                  <a:pt x="1887955" y="0"/>
-                </a:cubicBezTo>
-                <a:cubicBezTo>
-                  <a:pt x="2031541" y="-9790"/>
-                  <a:pt x="2346378" y="21240"/>
-                  <a:pt x="2506423" y="0"/>
-                </a:cubicBezTo>
-                <a:cubicBezTo>
-                  <a:pt x="2666468" y="-21240"/>
-                  <a:pt x="2990257" y="30414"/>
-                  <a:pt x="3255095" y="0"/>
-                </a:cubicBezTo>
-                <a:cubicBezTo>
-                  <a:pt x="3254831" y="4493"/>
-                  <a:pt x="3255479" y="9472"/>
-                  <a:pt x="3255095" y="18288"/>
-                </a:cubicBezTo>
-                <a:cubicBezTo>
-                  <a:pt x="3120743" y="16690"/>
-                  <a:pt x="2759628" y="42462"/>
-                  <a:pt x="2604076" y="18288"/>
-                </a:cubicBezTo>
-                <a:cubicBezTo>
-                  <a:pt x="2448524" y="-5886"/>
-                  <a:pt x="2184336" y="19599"/>
-                  <a:pt x="1887955" y="18288"/>
-                </a:cubicBezTo>
-                <a:cubicBezTo>
-                  <a:pt x="1591574" y="16977"/>
-                  <a:pt x="1548845" y="6870"/>
-                  <a:pt x="1334589" y="18288"/>
-                </a:cubicBezTo>
-                <a:cubicBezTo>
-                  <a:pt x="1120333" y="29706"/>
-                  <a:pt x="996014" y="9662"/>
-                  <a:pt x="683570" y="18288"/>
-                </a:cubicBezTo>
-                <a:cubicBezTo>
-                  <a:pt x="371126" y="26914"/>
-                  <a:pt x="198687" y="16167"/>
-                  <a:pt x="0" y="18288"/>
-                </a:cubicBezTo>
-                <a:cubicBezTo>
-                  <a:pt x="843" y="9577"/>
-                  <a:pt x="371" y="6900"/>
-                  <a:pt x="0" y="0"/>
-                </a:cubicBezTo>
-                <a:close/>
-              </a:path>
-            </a:pathLst>
-          </a:custGeom>
-          <a:solidFill>
-            <a:schemeClr val="accent2"/>
-          </a:solidFill>
-          <a:ln w="38100" cap="rnd">
-            <a:solidFill>
-              <a:schemeClr val="accent2"/>
-            </a:solidFill>
-            <a:round/>
-            <a:extLst>
-              <a:ext uri="{C807C97D-BFC1-408E-A445-0C87EB9F89A2}">
-                <ask:lineSketchStyleProps xmlns:ask="http://schemas.microsoft.com/office/drawing/2018/sketchyshapes" sd="1219033472">
-                  <a:prstGeom prst="rect">
-                    <a:avLst/>
-                  </a:prstGeom>
-                  <ask:type>
-                    <ask:lineSketchFreehand/>
-                  </ask:type>
-                </ask:lineSketchStyleProps>
-              </a:ext>
-            </a:extLst>
-          </a:ln>
-        </p:spPr>
-        <p:style>
-          <a:lnRef idx="2">
-            <a:schemeClr val="accent1">
-              <a:shade val="50000"/>
-            </a:schemeClr>
-          </a:lnRef>
-          <a:fillRef idx="1">
-            <a:schemeClr val="accent1"/>
-          </a:fillRef>
-          <a:effectRef idx="0">
-            <a:schemeClr val="accent1"/>
-          </a:effectRef>
-          <a:fontRef idx="minor">
-            <a:schemeClr val="lt1"/>
-          </a:fontRef>
-        </p:style>
-        <p:txBody>
-          <a:bodyPr rtlCol="0" anchor="ctr"/>
-          <a:lstStyle/>
-          <a:p>
-            <a:pPr algn="ctr"/>
-            <a:endParaRPr lang="en-US"/>
-          </a:p>
-        </p:txBody>
-      </p:sp>
-      <p:sp>
-        <p:nvSpPr>
-          <p:cNvPr id="5" name="Content Placeholder 4">
-            <a:extLst>
-              <a:ext uri="{FF2B5EF4-FFF2-40B4-BE49-F238E27FC236}">
-                <a16:creationId xmlns:a16="http://schemas.microsoft.com/office/drawing/2014/main" id="{B3730A95-AC2F-1C15-6588-2AC0DBE76FA9}"/>
-              </a:ext>
-            </a:extLst>
-          </p:cNvPr>
-          <p:cNvSpPr>
-            <a:spLocks noGrp="1"/>
-          </p:cNvSpPr>
-          <p:nvPr>
-            <p:ph sz="half" idx="2"/>
-          </p:nvPr>
-        </p:nvSpPr>
-        <p:spPr>
-          <a:xfrm>
-            <a:off x="6739128" y="2664886"/>
-            <a:ext cx="4818888" cy="3550789"/>
-          </a:xfrm>
-        </p:spPr>
-        <p:txBody>
-          <a:bodyPr vert="horz" lIns="91440" tIns="45720" rIns="91440" bIns="45720" rtlCol="0" anchor="t">
-            <a:normAutofit/>
-          </a:bodyPr>
-          <a:lstStyle/>
-          <a:p>
-            <a:r>
-              <a:rPr lang="en-US" sz="2200"/>
-              <a:t>Recipes enable a seperation of concerns between Ops and developers by automating infra deployment.</a:t>
-            </a:r>
-          </a:p>
-          <a:p>
-            <a:r>
-              <a:rPr lang="en-US" sz="2200"/>
-              <a:t>Devs choose the resource they want.</a:t>
-            </a:r>
-          </a:p>
-          <a:p>
-            <a:r>
-              <a:rPr lang="en-US" sz="2200"/>
-              <a:t>Ops codify their environment with how these resources should be deployed.</a:t>
-            </a:r>
-          </a:p>
-        </p:txBody>
-      </p:sp>
-      <p:pic>
-        <p:nvPicPr>
-          <p:cNvPr id="3" name="Picture 2" descr="Radius">
-            <a:extLst>
-              <a:ext uri="{FF2B5EF4-FFF2-40B4-BE49-F238E27FC236}">
-                <a16:creationId xmlns:a16="http://schemas.microsoft.com/office/drawing/2014/main" id="{D1C6E2D3-01AD-0DE2-E840-A5A65E38EED2}"/>
-              </a:ext>
-            </a:extLst>
-          </p:cNvPr>
-          <p:cNvPicPr>
-            <a:picLocks noChangeAspect="1" noChangeArrowheads="1"/>
-          </p:cNvPicPr>
-          <p:nvPr/>
-        </p:nvPicPr>
-        <p:blipFill>
-          <a:blip r:embed="rId4">
-            <a:extLst>
-              <a:ext uri="{28A0092B-C50C-407E-A947-70E740481C1C}">
-                <a14:useLocalDpi xmlns:a14="http://schemas.microsoft.com/office/drawing/2010/main" val="0"/>
-              </a:ext>
-            </a:extLst>
-          </a:blip>
-          <a:stretch>
-            <a:fillRect/>
-          </a:stretch>
-        </p:blipFill>
-        <p:spPr bwMode="auto">
-          <a:xfrm>
-            <a:off x="8917344" y="278297"/>
-            <a:ext cx="2640672" cy="719583"/>
-          </a:xfrm>
-          <a:prstGeom prst="rect">
-            <a:avLst/>
-          </a:prstGeom>
-          <a:noFill/>
-          <a:extLst>
-            <a:ext uri="{909E8E84-426E-40DD-AFC4-6F175D3DCCD1}">
-              <a14:hiddenFill xmlns:a14="http://schemas.microsoft.com/office/drawing/2010/main">
-                <a:solidFill>
-                  <a:srgbClr val="FFFFFF"/>
-                </a:solidFill>
-              </a14:hiddenFill>
-            </a:ext>
-          </a:extLst>
-        </p:spPr>
-      </p:pic>
-    </p:spTree>
-    <p:extLst>
-      <p:ext uri="{BB962C8B-B14F-4D97-AF65-F5344CB8AC3E}">
-        <p14:creationId xmlns:p14="http://schemas.microsoft.com/office/powerpoint/2010/main" val="2125160840"/>
       </p:ext>
     </p:extLst>
   </p:cSld>
